--- a/Chức năng Hủy đơn Hàng trong WooCommerce.pptx
+++ b/Chức năng Hủy đơn Hàng trong WooCommerce.pptx
@@ -110,6 +110,11 @@
       </a:defRPr>
     </a:lvl9pPr>
   </p:defaultTextStyle>
+  <p:extLst>
+    <p:ext uri="{EFAFB233-063F-42B5-8137-9DF3F51BA10A}">
+      <p15:sldGuideLst xmlns:p15="http://schemas.microsoft.com/office/powerpoint/2012/main"/>
+    </p:ext>
+  </p:extLst>
 </p:presentation>
 </file>
 
@@ -3407,56 +3412,6 @@
           <a:chExt cx="0" cy="0"/>
         </a:xfrm>
       </p:grpSpPr>
-      <p:sp>
-        <p:nvSpPr>
-          <p:cNvPr id="2" name="Title 1">
-            <a:extLst>
-              <a:ext uri="{FF2B5EF4-FFF2-40B4-BE49-F238E27FC236}">
-                <a16:creationId xmlns:a16="http://schemas.microsoft.com/office/drawing/2014/main" id="{840EC075-AE9E-4E92-ACE5-48A7C81EC9D1}"/>
-              </a:ext>
-            </a:extLst>
-          </p:cNvPr>
-          <p:cNvSpPr>
-            <a:spLocks noGrp="1"/>
-          </p:cNvSpPr>
-          <p:nvPr>
-            <p:ph type="title"/>
-          </p:nvPr>
-        </p:nvSpPr>
-        <p:spPr/>
-        <p:txBody>
-          <a:bodyPr/>
-          <a:lstStyle/>
-          <a:p>
-            <a:endParaRPr lang="en-US"/>
-          </a:p>
-        </p:txBody>
-      </p:sp>
-      <p:sp>
-        <p:nvSpPr>
-          <p:cNvPr id="3" name="Content Placeholder 2">
-            <a:extLst>
-              <a:ext uri="{FF2B5EF4-FFF2-40B4-BE49-F238E27FC236}">
-                <a16:creationId xmlns:a16="http://schemas.microsoft.com/office/drawing/2014/main" id="{6BCC7D52-6131-4179-AB34-6648EEE80993}"/>
-              </a:ext>
-            </a:extLst>
-          </p:cNvPr>
-          <p:cNvSpPr>
-            <a:spLocks noGrp="1"/>
-          </p:cNvSpPr>
-          <p:nvPr>
-            <p:ph idx="1"/>
-          </p:nvPr>
-        </p:nvSpPr>
-        <p:spPr/>
-        <p:txBody>
-          <a:bodyPr/>
-          <a:lstStyle/>
-          <a:p>
-            <a:endParaRPr lang="en-US"/>
-          </a:p>
-        </p:txBody>
-      </p:sp>
       <p:pic>
         <p:nvPicPr>
           <p:cNvPr id="4" name="Picture 3">
@@ -3479,7 +3434,7 @@
         </p:blipFill>
         <p:spPr>
           <a:xfrm>
-            <a:off x="2270416" y="1690688"/>
+            <a:off x="587920" y="306133"/>
             <a:ext cx="5325218" cy="3334215"/>
           </a:xfrm>
           <a:prstGeom prst="rect">
@@ -3535,8 +3490,8 @@
         </p:nvSpPr>
         <p:spPr>
           <a:xfrm>
-            <a:off x="0" y="0"/>
-            <a:ext cx="11353800" cy="1325563"/>
+            <a:off x="0" y="283465"/>
+            <a:ext cx="12192000" cy="1005840"/>
           </a:xfrm>
         </p:spPr>
         <p:txBody>
@@ -3574,7 +3529,7 @@
         </p:blipFill>
         <p:spPr>
           <a:xfrm>
-            <a:off x="346918" y="1443621"/>
+            <a:off x="255478" y="1937397"/>
             <a:ext cx="10659963" cy="4353497"/>
           </a:xfrm>
           <a:prstGeom prst="rect">
@@ -3650,31 +3605,6 @@
       </p:sp>
       <p:sp>
         <p:nvSpPr>
-          <p:cNvPr id="3" name="Content Placeholder 2">
-            <a:extLst>
-              <a:ext uri="{FF2B5EF4-FFF2-40B4-BE49-F238E27FC236}">
-                <a16:creationId xmlns:a16="http://schemas.microsoft.com/office/drawing/2014/main" id="{4AC8C6FF-CB9F-4E5F-9359-EB6E6AF74542}"/>
-              </a:ext>
-            </a:extLst>
-          </p:cNvPr>
-          <p:cNvSpPr>
-            <a:spLocks noGrp="1"/>
-          </p:cNvSpPr>
-          <p:nvPr>
-            <p:ph idx="1"/>
-          </p:nvPr>
-        </p:nvSpPr>
-        <p:spPr/>
-        <p:txBody>
-          <a:bodyPr/>
-          <a:lstStyle/>
-          <a:p>
-            <a:endParaRPr lang="en-US"/>
-          </a:p>
-        </p:txBody>
-      </p:sp>
-      <p:sp>
-        <p:nvSpPr>
           <p:cNvPr id="4" name="Rectangle 3">
             <a:extLst>
               <a:ext uri="{FF2B5EF4-FFF2-40B4-BE49-F238E27FC236}">
@@ -3687,7 +3617,7 @@
         </p:nvSpPr>
         <p:spPr>
           <a:xfrm>
-            <a:off x="1224345" y="2791572"/>
+            <a:off x="922593" y="1785732"/>
             <a:ext cx="4871655" cy="369332"/>
           </a:xfrm>
           <a:prstGeom prst="rect">
@@ -3703,6 +3633,41 @@
             <a:r>
               <a:rPr lang="en-US"/>
               <a:t>https://www.youtube.com/watch?v=zHPriTMldh8</a:t>
+            </a:r>
+          </a:p>
+        </p:txBody>
+      </p:sp>
+      <p:sp>
+        <p:nvSpPr>
+          <p:cNvPr id="5" name="TextBox 4">
+            <a:extLst>
+              <a:ext uri="{FF2B5EF4-FFF2-40B4-BE49-F238E27FC236}">
+                <a16:creationId xmlns:a16="http://schemas.microsoft.com/office/drawing/2014/main" id="{8EECF602-753F-4EB4-A3AE-19B9F78316BA}"/>
+              </a:ext>
+            </a:extLst>
+          </p:cNvPr>
+          <p:cNvSpPr txBox="1"/>
+          <p:nvPr/>
+        </p:nvSpPr>
+        <p:spPr>
+          <a:xfrm>
+            <a:off x="1014984" y="2331720"/>
+            <a:ext cx="2578608" cy="369332"/>
+          </a:xfrm>
+          <a:prstGeom prst="rect">
+            <a:avLst/>
+          </a:prstGeom>
+          <a:noFill/>
+        </p:spPr>
+        <p:txBody>
+          <a:bodyPr wrap="square" rtlCol="0">
+            <a:spAutoFit/>
+          </a:bodyPr>
+          <a:lstStyle/>
+          <a:p>
+            <a:r>
+              <a:rPr lang="en-US"/>
+              <a:t>Cài Plugin và cấu hình.</a:t>
             </a:r>
           </a:p>
         </p:txBody>

--- a/Chức năng Hủy đơn Hàng trong WooCommerce.pptx
+++ b/Chức năng Hủy đơn Hàng trong WooCommerce.pptx
@@ -265,7 +265,7 @@
           <a:p>
             <a:fld id="{ED6B70FB-A6CB-4ED5-8A57-8F32DBCE5D65}" type="datetimeFigureOut">
               <a:rPr lang="en-US" smtClean="0"/>
-              <a:t>22/10/2024</a:t>
+              <a:t>23/10/2024</a:t>
             </a:fld>
             <a:endParaRPr lang="en-US"/>
           </a:p>
@@ -463,7 +463,7 @@
           <a:p>
             <a:fld id="{ED6B70FB-A6CB-4ED5-8A57-8F32DBCE5D65}" type="datetimeFigureOut">
               <a:rPr lang="en-US" smtClean="0"/>
-              <a:t>22/10/2024</a:t>
+              <a:t>23/10/2024</a:t>
             </a:fld>
             <a:endParaRPr lang="en-US"/>
           </a:p>
@@ -671,7 +671,7 @@
           <a:p>
             <a:fld id="{ED6B70FB-A6CB-4ED5-8A57-8F32DBCE5D65}" type="datetimeFigureOut">
               <a:rPr lang="en-US" smtClean="0"/>
-              <a:t>22/10/2024</a:t>
+              <a:t>23/10/2024</a:t>
             </a:fld>
             <a:endParaRPr lang="en-US"/>
           </a:p>
@@ -869,7 +869,7 @@
           <a:p>
             <a:fld id="{ED6B70FB-A6CB-4ED5-8A57-8F32DBCE5D65}" type="datetimeFigureOut">
               <a:rPr lang="en-US" smtClean="0"/>
-              <a:t>22/10/2024</a:t>
+              <a:t>23/10/2024</a:t>
             </a:fld>
             <a:endParaRPr lang="en-US"/>
           </a:p>
@@ -1144,7 +1144,7 @@
           <a:p>
             <a:fld id="{ED6B70FB-A6CB-4ED5-8A57-8F32DBCE5D65}" type="datetimeFigureOut">
               <a:rPr lang="en-US" smtClean="0"/>
-              <a:t>22/10/2024</a:t>
+              <a:t>23/10/2024</a:t>
             </a:fld>
             <a:endParaRPr lang="en-US"/>
           </a:p>
@@ -1409,7 +1409,7 @@
           <a:p>
             <a:fld id="{ED6B70FB-A6CB-4ED5-8A57-8F32DBCE5D65}" type="datetimeFigureOut">
               <a:rPr lang="en-US" smtClean="0"/>
-              <a:t>22/10/2024</a:t>
+              <a:t>23/10/2024</a:t>
             </a:fld>
             <a:endParaRPr lang="en-US"/>
           </a:p>
@@ -1821,7 +1821,7 @@
           <a:p>
             <a:fld id="{ED6B70FB-A6CB-4ED5-8A57-8F32DBCE5D65}" type="datetimeFigureOut">
               <a:rPr lang="en-US" smtClean="0"/>
-              <a:t>22/10/2024</a:t>
+              <a:t>23/10/2024</a:t>
             </a:fld>
             <a:endParaRPr lang="en-US"/>
           </a:p>
@@ -1962,7 +1962,7 @@
           <a:p>
             <a:fld id="{ED6B70FB-A6CB-4ED5-8A57-8F32DBCE5D65}" type="datetimeFigureOut">
               <a:rPr lang="en-US" smtClean="0"/>
-              <a:t>22/10/2024</a:t>
+              <a:t>23/10/2024</a:t>
             </a:fld>
             <a:endParaRPr lang="en-US"/>
           </a:p>
@@ -2075,7 +2075,7 @@
           <a:p>
             <a:fld id="{ED6B70FB-A6CB-4ED5-8A57-8F32DBCE5D65}" type="datetimeFigureOut">
               <a:rPr lang="en-US" smtClean="0"/>
-              <a:t>22/10/2024</a:t>
+              <a:t>23/10/2024</a:t>
             </a:fld>
             <a:endParaRPr lang="en-US"/>
           </a:p>
@@ -2386,7 +2386,7 @@
           <a:p>
             <a:fld id="{ED6B70FB-A6CB-4ED5-8A57-8F32DBCE5D65}" type="datetimeFigureOut">
               <a:rPr lang="en-US" smtClean="0"/>
-              <a:t>22/10/2024</a:t>
+              <a:t>23/10/2024</a:t>
             </a:fld>
             <a:endParaRPr lang="en-US"/>
           </a:p>
@@ -2674,7 +2674,7 @@
           <a:p>
             <a:fld id="{ED6B70FB-A6CB-4ED5-8A57-8F32DBCE5D65}" type="datetimeFigureOut">
               <a:rPr lang="en-US" smtClean="0"/>
-              <a:t>22/10/2024</a:t>
+              <a:t>23/10/2024</a:t>
             </a:fld>
             <a:endParaRPr lang="en-US"/>
           </a:p>
@@ -2915,7 +2915,7 @@
           <a:p>
             <a:fld id="{ED6B70FB-A6CB-4ED5-8A57-8F32DBCE5D65}" type="datetimeFigureOut">
               <a:rPr lang="en-US" smtClean="0"/>
-              <a:t>22/10/2024</a:t>
+              <a:t>23/10/2024</a:t>
             </a:fld>
             <a:endParaRPr lang="en-US"/>
           </a:p>
@@ -3490,12 +3490,14 @@
         </p:nvSpPr>
         <p:spPr>
           <a:xfrm>
-            <a:off x="0" y="283465"/>
-            <a:ext cx="12192000" cy="1005840"/>
+            <a:off x="106532" y="726460"/>
+            <a:ext cx="12192000" cy="648690"/>
           </a:xfrm>
         </p:spPr>
         <p:txBody>
-          <a:bodyPr/>
+          <a:bodyPr>
+            <a:normAutofit fontScale="90000"/>
+          </a:bodyPr>
           <a:lstStyle/>
           <a:p>
             <a:r>
@@ -3537,6 +3539,49 @@
           </a:prstGeom>
         </p:spPr>
       </p:pic>
+      <p:sp>
+        <p:nvSpPr>
+          <p:cNvPr id="3" name="TextBox 2">
+            <a:extLst>
+              <a:ext uri="{FF2B5EF4-FFF2-40B4-BE49-F238E27FC236}">
+                <a16:creationId xmlns:a16="http://schemas.microsoft.com/office/drawing/2014/main" id="{8190B70B-C45F-4C59-BB10-C1B354CB70EC}"/>
+              </a:ext>
+            </a:extLst>
+          </p:cNvPr>
+          <p:cNvSpPr txBox="1"/>
+          <p:nvPr/>
+        </p:nvSpPr>
+        <p:spPr>
+          <a:xfrm>
+            <a:off x="106532" y="62144"/>
+            <a:ext cx="3124940" cy="369332"/>
+          </a:xfrm>
+          <a:prstGeom prst="rect">
+            <a:avLst/>
+          </a:prstGeom>
+          <a:noFill/>
+        </p:spPr>
+        <p:txBody>
+          <a:bodyPr wrap="square" rtlCol="0">
+            <a:spAutoFit/>
+          </a:bodyPr>
+          <a:lstStyle/>
+          <a:p>
+            <a:r>
+              <a:rPr lang="en-US"/>
+              <a:t>Link Video h</a:t>
+            </a:r>
+            <a:r>
+              <a:rPr lang="vi-VN"/>
+              <a:t>ư</a:t>
+            </a:r>
+            <a:r>
+              <a:rPr lang="en-US"/>
+              <a:t>ớng dẫn.</a:t>
+            </a:r>
+          </a:p>
+        </p:txBody>
+      </p:sp>
     </p:spTree>
     <p:extLst>
       <p:ext uri="{BB962C8B-B14F-4D97-AF65-F5344CB8AC3E}">
@@ -3618,14 +3663,14 @@
         <p:spPr>
           <a:xfrm>
             <a:off x="922593" y="1785732"/>
-            <a:ext cx="4871655" cy="369332"/>
+            <a:ext cx="5558106" cy="369332"/>
           </a:xfrm>
           <a:prstGeom prst="rect">
             <a:avLst/>
           </a:prstGeom>
         </p:spPr>
         <p:txBody>
-          <a:bodyPr wrap="none">
+          <a:bodyPr wrap="square">
             <a:spAutoFit/>
           </a:bodyPr>
           <a:lstStyle/>
@@ -3651,7 +3696,7 @@
         </p:nvSpPr>
         <p:spPr>
           <a:xfrm>
-            <a:off x="1014984" y="2331720"/>
+            <a:off x="1050495" y="2331720"/>
             <a:ext cx="2578608" cy="369332"/>
           </a:xfrm>
           <a:prstGeom prst="rect">

--- a/Chức năng Hủy đơn Hàng trong WooCommerce.pptx
+++ b/Chức năng Hủy đơn Hàng trong WooCommerce.pptx
@@ -265,7 +265,7 @@
           <a:p>
             <a:fld id="{ED6B70FB-A6CB-4ED5-8A57-8F32DBCE5D65}" type="datetimeFigureOut">
               <a:rPr lang="en-US" smtClean="0"/>
-              <a:t>23/10/2024</a:t>
+              <a:t>24/10/2024</a:t>
             </a:fld>
             <a:endParaRPr lang="en-US"/>
           </a:p>
@@ -463,7 +463,7 @@
           <a:p>
             <a:fld id="{ED6B70FB-A6CB-4ED5-8A57-8F32DBCE5D65}" type="datetimeFigureOut">
               <a:rPr lang="en-US" smtClean="0"/>
-              <a:t>23/10/2024</a:t>
+              <a:t>24/10/2024</a:t>
             </a:fld>
             <a:endParaRPr lang="en-US"/>
           </a:p>
@@ -671,7 +671,7 @@
           <a:p>
             <a:fld id="{ED6B70FB-A6CB-4ED5-8A57-8F32DBCE5D65}" type="datetimeFigureOut">
               <a:rPr lang="en-US" smtClean="0"/>
-              <a:t>23/10/2024</a:t>
+              <a:t>24/10/2024</a:t>
             </a:fld>
             <a:endParaRPr lang="en-US"/>
           </a:p>
@@ -869,7 +869,7 @@
           <a:p>
             <a:fld id="{ED6B70FB-A6CB-4ED5-8A57-8F32DBCE5D65}" type="datetimeFigureOut">
               <a:rPr lang="en-US" smtClean="0"/>
-              <a:t>23/10/2024</a:t>
+              <a:t>24/10/2024</a:t>
             </a:fld>
             <a:endParaRPr lang="en-US"/>
           </a:p>
@@ -1144,7 +1144,7 @@
           <a:p>
             <a:fld id="{ED6B70FB-A6CB-4ED5-8A57-8F32DBCE5D65}" type="datetimeFigureOut">
               <a:rPr lang="en-US" smtClean="0"/>
-              <a:t>23/10/2024</a:t>
+              <a:t>24/10/2024</a:t>
             </a:fld>
             <a:endParaRPr lang="en-US"/>
           </a:p>
@@ -1409,7 +1409,7 @@
           <a:p>
             <a:fld id="{ED6B70FB-A6CB-4ED5-8A57-8F32DBCE5D65}" type="datetimeFigureOut">
               <a:rPr lang="en-US" smtClean="0"/>
-              <a:t>23/10/2024</a:t>
+              <a:t>24/10/2024</a:t>
             </a:fld>
             <a:endParaRPr lang="en-US"/>
           </a:p>
@@ -1821,7 +1821,7 @@
           <a:p>
             <a:fld id="{ED6B70FB-A6CB-4ED5-8A57-8F32DBCE5D65}" type="datetimeFigureOut">
               <a:rPr lang="en-US" smtClean="0"/>
-              <a:t>23/10/2024</a:t>
+              <a:t>24/10/2024</a:t>
             </a:fld>
             <a:endParaRPr lang="en-US"/>
           </a:p>
@@ -1962,7 +1962,7 @@
           <a:p>
             <a:fld id="{ED6B70FB-A6CB-4ED5-8A57-8F32DBCE5D65}" type="datetimeFigureOut">
               <a:rPr lang="en-US" smtClean="0"/>
-              <a:t>23/10/2024</a:t>
+              <a:t>24/10/2024</a:t>
             </a:fld>
             <a:endParaRPr lang="en-US"/>
           </a:p>
@@ -2075,7 +2075,7 @@
           <a:p>
             <a:fld id="{ED6B70FB-A6CB-4ED5-8A57-8F32DBCE5D65}" type="datetimeFigureOut">
               <a:rPr lang="en-US" smtClean="0"/>
-              <a:t>23/10/2024</a:t>
+              <a:t>24/10/2024</a:t>
             </a:fld>
             <a:endParaRPr lang="en-US"/>
           </a:p>
@@ -2386,7 +2386,7 @@
           <a:p>
             <a:fld id="{ED6B70FB-A6CB-4ED5-8A57-8F32DBCE5D65}" type="datetimeFigureOut">
               <a:rPr lang="en-US" smtClean="0"/>
-              <a:t>23/10/2024</a:t>
+              <a:t>24/10/2024</a:t>
             </a:fld>
             <a:endParaRPr lang="en-US"/>
           </a:p>
@@ -2674,7 +2674,7 @@
           <a:p>
             <a:fld id="{ED6B70FB-A6CB-4ED5-8A57-8F32DBCE5D65}" type="datetimeFigureOut">
               <a:rPr lang="en-US" smtClean="0"/>
-              <a:t>23/10/2024</a:t>
+              <a:t>24/10/2024</a:t>
             </a:fld>
             <a:endParaRPr lang="en-US"/>
           </a:p>
@@ -2915,7 +2915,7 @@
           <a:p>
             <a:fld id="{ED6B70FB-A6CB-4ED5-8A57-8F32DBCE5D65}" type="datetimeFigureOut">
               <a:rPr lang="en-US" smtClean="0"/>
-              <a:t>23/10/2024</a:t>
+              <a:t>24/10/2024</a:t>
             </a:fld>
             <a:endParaRPr lang="en-US"/>
           </a:p>
@@ -3490,8 +3490,8 @@
         </p:nvSpPr>
         <p:spPr>
           <a:xfrm>
-            <a:off x="106532" y="726460"/>
-            <a:ext cx="12192000" cy="648690"/>
+            <a:off x="0" y="431476"/>
+            <a:ext cx="11625220" cy="648690"/>
           </a:xfrm>
         </p:spPr>
         <p:txBody>
@@ -3531,8 +3531,8 @@
         </p:blipFill>
         <p:spPr>
           <a:xfrm>
-            <a:off x="255478" y="1937397"/>
-            <a:ext cx="10659963" cy="4353497"/>
+            <a:off x="106532" y="2644480"/>
+            <a:ext cx="9202060" cy="4151376"/>
           </a:xfrm>
           <a:prstGeom prst="rect">
             <a:avLst/>
@@ -3578,6 +3578,41 @@
             <a:r>
               <a:rPr lang="en-US"/>
               <a:t>ớng dẫn.</a:t>
+            </a:r>
+          </a:p>
+        </p:txBody>
+      </p:sp>
+      <p:sp>
+        <p:nvSpPr>
+          <p:cNvPr id="5" name="TextBox 4">
+            <a:extLst>
+              <a:ext uri="{FF2B5EF4-FFF2-40B4-BE49-F238E27FC236}">
+                <a16:creationId xmlns:a16="http://schemas.microsoft.com/office/drawing/2014/main" id="{C932F24C-FA25-4D92-8535-9D18A4322499}"/>
+              </a:ext>
+            </a:extLst>
+          </p:cNvPr>
+          <p:cNvSpPr txBox="1"/>
+          <p:nvPr/>
+        </p:nvSpPr>
+        <p:spPr>
+          <a:xfrm>
+            <a:off x="173736" y="1252728"/>
+            <a:ext cx="10634472" cy="369332"/>
+          </a:xfrm>
+          <a:prstGeom prst="rect">
+            <a:avLst/>
+          </a:prstGeom>
+          <a:noFill/>
+        </p:spPr>
+        <p:txBody>
+          <a:bodyPr wrap="square" rtlCol="0">
+            <a:spAutoFit/>
+          </a:bodyPr>
+          <a:lstStyle/>
+          <a:p>
+            <a:r>
+              <a:rPr lang="en-US"/>
+              <a:t>Cài Plugin “ Cancel Order ”</a:t>
             </a:r>
           </a:p>
         </p:txBody>
